--- a/20140528-creating_your_own_dsl_with_yacc-part2.pptx
+++ b/20140528-creating_your_own_dsl_with_yacc-part2.pptx
@@ -211,7 +211,7 @@
           <a:p>
             <a:fld id="{740616EA-7DD0-4941-A75A-3667382BAFA7}" type="datetimeFigureOut">
               <a:rPr lang="en-AU" smtClean="0"/>
-              <a:t>27/05/2014</a:t>
+              <a:t>6/06/2016</a:t>
             </a:fld>
             <a:endParaRPr lang="en-AU"/>
           </a:p>
@@ -377,7 +377,7 @@
           <a:p>
             <a:fld id="{587278A0-4A02-4D4B-A8AB-1E1752F8063F}" type="datetimeFigureOut">
               <a:rPr lang="en-AU" smtClean="0"/>
-              <a:t>27/05/2014</a:t>
+              <a:t>6/06/2016</a:t>
             </a:fld>
             <a:endParaRPr lang="en-AU"/>
           </a:p>
@@ -1457,7 +1457,7 @@
           <a:p>
             <a:fld id="{0EAB0777-4C60-462E-A92C-CDAFD498799C}" type="datetimeFigureOut">
               <a:rPr lang="en-US" smtClean="0"/>
-              <a:t>5/27/2014</a:t>
+              <a:t>6/6/2016</a:t>
             </a:fld>
             <a:endParaRPr lang="en-US"/>
           </a:p>
@@ -1626,7 +1626,7 @@
           <a:p>
             <a:fld id="{0EAB0777-4C60-462E-A92C-CDAFD498799C}" type="datetimeFigureOut">
               <a:rPr lang="en-US" smtClean="0"/>
-              <a:t>5/27/2014</a:t>
+              <a:t>6/6/2016</a:t>
             </a:fld>
             <a:endParaRPr lang="en-US"/>
           </a:p>
@@ -1872,7 +1872,7 @@
           <a:p>
             <a:fld id="{0EAB0777-4C60-462E-A92C-CDAFD498799C}" type="datetimeFigureOut">
               <a:rPr lang="en-US" smtClean="0"/>
-              <a:t>5/27/2014</a:t>
+              <a:t>6/6/2016</a:t>
             </a:fld>
             <a:endParaRPr lang="en-US"/>
           </a:p>
@@ -2140,7 +2140,7 @@
           <a:p>
             <a:fld id="{0EAB0777-4C60-462E-A92C-CDAFD498799C}" type="datetimeFigureOut">
               <a:rPr lang="en-US" smtClean="0"/>
-              <a:t>5/27/2014</a:t>
+              <a:t>6/6/2016</a:t>
             </a:fld>
             <a:endParaRPr lang="en-US"/>
           </a:p>
@@ -2522,7 +2522,7 @@
           <a:p>
             <a:fld id="{0EAB0777-4C60-462E-A92C-CDAFD498799C}" type="datetimeFigureOut">
               <a:rPr lang="en-US" smtClean="0"/>
-              <a:t>5/27/2014</a:t>
+              <a:t>6/6/2016</a:t>
             </a:fld>
             <a:endParaRPr lang="en-US"/>
           </a:p>
@@ -2676,7 +2676,7 @@
           <a:p>
             <a:fld id="{0EAB0777-4C60-462E-A92C-CDAFD498799C}" type="datetimeFigureOut">
               <a:rPr lang="en-US" smtClean="0"/>
-              <a:t>5/27/2014</a:t>
+              <a:t>6/6/2016</a:t>
             </a:fld>
             <a:endParaRPr lang="en-US"/>
           </a:p>
@@ -2770,7 +2770,7 @@
           <a:p>
             <a:fld id="{0EAB0777-4C60-462E-A92C-CDAFD498799C}" type="datetimeFigureOut">
               <a:rPr lang="en-US" smtClean="0"/>
-              <a:t>5/27/2014</a:t>
+              <a:t>6/6/2016</a:t>
             </a:fld>
             <a:endParaRPr lang="en-US"/>
           </a:p>
@@ -3035,7 +3035,7 @@
           <a:p>
             <a:fld id="{0EAB0777-4C60-462E-A92C-CDAFD498799C}" type="datetimeFigureOut">
               <a:rPr lang="en-US" smtClean="0"/>
-              <a:t>5/27/2014</a:t>
+              <a:t>6/6/2016</a:t>
             </a:fld>
             <a:endParaRPr lang="en-US"/>
           </a:p>
@@ -3518,7 +3518,7 @@
           <a:p>
             <a:fld id="{0EAB0777-4C60-462E-A92C-CDAFD498799C}" type="datetimeFigureOut">
               <a:rPr lang="en-US" smtClean="0"/>
-              <a:t>5/27/2014</a:t>
+              <a:t>6/6/2016</a:t>
             </a:fld>
             <a:endParaRPr lang="en-US"/>
           </a:p>
@@ -3994,7 +3994,7 @@
           <a:p>
             <a:fld id="{0EAB0777-4C60-462E-A92C-CDAFD498799C}" type="datetimeFigureOut">
               <a:rPr lang="en-US" smtClean="0"/>
-              <a:t>5/27/2014</a:t>
+              <a:t>6/6/2016</a:t>
             </a:fld>
             <a:endParaRPr lang="en-US"/>
           </a:p>
@@ -4173,7 +4173,7 @@
           <a:p>
             <a:fld id="{0EAB0777-4C60-462E-A92C-CDAFD498799C}" type="datetimeFigureOut">
               <a:rPr lang="en-US" smtClean="0"/>
-              <a:t>5/27/2014</a:t>
+              <a:t>6/6/2016</a:t>
             </a:fld>
             <a:endParaRPr lang="en-US"/>
           </a:p>
@@ -6816,7 +6816,7 @@
           <a:p>
             <a:fld id="{0EAB0777-4C60-462E-A92C-CDAFD498799C}" type="datetimeFigureOut">
               <a:rPr lang="en-US" smtClean="0"/>
-              <a:t>5/27/2014</a:t>
+              <a:t>6/6/2016</a:t>
             </a:fld>
             <a:endParaRPr lang="en-US"/>
           </a:p>
@@ -7627,35 +7627,14 @@
             <a:pPr lvl="1"/>
             <a:r>
               <a:rPr lang="en-US" dirty="0" smtClean="0"/>
-              <a:t>Each production (rule) in the grammar has an associated fragment of C </a:t>
-            </a:r>
+              <a:t>Each production (rule) in the grammar has an associated fragment of C code (action)</a:t>
+            </a:r>
+          </a:p>
+          <a:p>
+            <a:pPr lvl="1"/>
             <a:r>
               <a:rPr lang="en-US" dirty="0" smtClean="0"/>
-              <a:t>code (action)</a:t>
-            </a:r>
-            <a:endParaRPr lang="en-US" dirty="0" smtClean="0"/>
-          </a:p>
-          <a:p>
-            <a:pPr lvl="1"/>
-            <a:r>
-              <a:rPr lang="en-US" dirty="0" smtClean="0"/>
-              <a:t>The terminals and non-terminals in the grammar can have an associated </a:t>
-            </a:r>
-            <a:r>
-              <a:rPr lang="en-US" dirty="0" smtClean="0"/>
-              <a:t>value; </a:t>
-            </a:r>
-            <a:r>
-              <a:rPr lang="en-US" dirty="0" smtClean="0"/>
-              <a:t>the C fragments allow you to manipulate the </a:t>
-            </a:r>
-            <a:r>
-              <a:rPr lang="en-US" dirty="0" smtClean="0"/>
-              <a:t>value as </a:t>
-            </a:r>
-            <a:r>
-              <a:rPr lang="en-US" dirty="0" smtClean="0"/>
-              <a:t>a rule is matched</a:t>
+              <a:t>The terminals and non-terminals in the grammar can have an associated value; the C fragments allow you to manipulate the value as a rule is matched</a:t>
             </a:r>
             <a:endParaRPr lang="en-AU" dirty="0"/>
           </a:p>
@@ -7824,30 +7803,18 @@
               <a:t>$1, $2 </a:t>
             </a:r>
             <a:r>
-              <a:rPr lang="en-US" dirty="0" err="1" smtClean="0"/>
-              <a:t>etc</a:t>
-            </a:r>
-            <a:r>
               <a:rPr lang="en-US" dirty="0" smtClean="0"/>
-              <a:t> refer to the </a:t>
+              <a:t>etc. </a:t>
             </a:r>
             <a:r>
               <a:rPr lang="en-US" dirty="0" smtClean="0"/>
-              <a:t>values of </a:t>
-            </a:r>
+              <a:t>refer to the values of elements on the RHS</a:t>
+            </a:r>
+          </a:p>
+          <a:p>
             <a:r>
               <a:rPr lang="en-US" dirty="0" smtClean="0"/>
-              <a:t>elements on the RHS</a:t>
-            </a:r>
-          </a:p>
-          <a:p>
-            <a:r>
-              <a:rPr lang="en-US" dirty="0" smtClean="0"/>
-              <a:t>Values for </a:t>
-            </a:r>
-            <a:r>
-              <a:rPr lang="en-US" dirty="0" smtClean="0"/>
-              <a:t>grammar elements are defined in a C union</a:t>
+              <a:t>Values for grammar elements are defined in a C union</a:t>
             </a:r>
           </a:p>
           <a:p>
@@ -8258,15 +8225,7 @@
             <a:pPr lvl="1"/>
             <a:r>
               <a:rPr lang="en-US" dirty="0" smtClean="0"/>
-              <a:t>When the elements on the stack match plus the current token a </a:t>
-            </a:r>
-            <a:r>
-              <a:rPr lang="en-US" dirty="0" smtClean="0"/>
-              <a:t>match grammar </a:t>
-            </a:r>
-            <a:r>
-              <a:rPr lang="en-US" dirty="0" smtClean="0"/>
-              <a:t>rule, they are popped off and replaced with the corresponding non-terminal (this is a </a:t>
+              <a:t>When the elements on the stack match plus the current token a match grammar rule, they are popped off and replaced with the corresponding non-terminal (this is a </a:t>
             </a:r>
             <a:r>
               <a:rPr lang="en-US" i="1" dirty="0" smtClean="0"/>
@@ -8545,11 +8504,7 @@
             </a:r>
             <a:r>
               <a:rPr lang="en-US" dirty="0" smtClean="0"/>
-              <a:t> could look further ahead (but it </a:t>
-            </a:r>
-            <a:r>
-              <a:rPr lang="en-US" dirty="0" smtClean="0"/>
-              <a:t>can’t…)</a:t>
+              <a:t> could look further ahead (but it can’t…)</a:t>
             </a:r>
             <a:endParaRPr lang="en-US" dirty="0"/>
           </a:p>
@@ -9109,11 +9064,7 @@
             </a:r>
             <a:r>
               <a:rPr lang="en-US" dirty="0" smtClean="0"/>
-              <a:t> will flag any syntax errors and call a user-defined </a:t>
-            </a:r>
-            <a:r>
-              <a:rPr lang="en-US" dirty="0" smtClean="0"/>
-              <a:t>function – </a:t>
+              <a:t> will flag any syntax errors and call a user-defined function – </a:t>
             </a:r>
             <a:r>
               <a:rPr lang="en-US" dirty="0" err="1" smtClean="0"/>
@@ -9539,13 +9490,8 @@
             <a:pPr lvl="1"/>
             <a:r>
               <a:rPr lang="en-US" dirty="0" smtClean="0"/>
-              <a:t>Creating </a:t>
-            </a:r>
-            <a:r>
-              <a:rPr lang="en-US" dirty="0" smtClean="0"/>
-              <a:t>a syntax tree</a:t>
-            </a:r>
-            <a:endParaRPr lang="en-US" dirty="0" smtClean="0"/>
+              <a:t>Creating a syntax tree</a:t>
+            </a:r>
           </a:p>
           <a:p>
             <a:pPr lvl="1"/>
@@ -11060,15 +11006,7 @@
             <a:pPr lvl="2"/>
             <a:r>
               <a:rPr lang="en-US" dirty="0" smtClean="0"/>
-              <a:t>Some tokens have </a:t>
-            </a:r>
-            <a:r>
-              <a:rPr lang="en-US" dirty="0" smtClean="0"/>
-              <a:t>a value, </a:t>
-            </a:r>
-            <a:r>
-              <a:rPr lang="en-US" dirty="0" smtClean="0"/>
-              <a:t>e.g. INTEGER + &lt;value&gt;</a:t>
+              <a:t>Some tokens have a value, e.g. INTEGER + &lt;value&gt;</a:t>
             </a:r>
           </a:p>
           <a:p>
